--- a/slides/Multi-Cam Review.pptx
+++ b/slides/Multi-Cam Review.pptx
@@ -5004,7 +5004,7 @@
         </p:spPr>
         <p:txBody>
           <a:bodyPr lIns="90000" tIns="45000" rIns="90000" bIns="45000">
-            <a:normAutofit/>
+            <a:normAutofit lnSpcReduction="10000"/>
           </a:bodyPr>
           <a:lstStyle/>
           <a:p>
@@ -5068,7 +5068,13 @@
               <a:rPr lang="en-US" altLang="x-none" sz="1600" b="1" dirty="0" smtClean="0">
                 <a:latin typeface="Calibri Light" charset="0"/>
               </a:rPr>
-              <a:t>Created by: Eric Lan</a:t>
+              <a:t>Created by: Eric </a:t>
+            </a:r>
+            <a:r>
+              <a:rPr lang="en-US" altLang="x-none" sz="1600" b="1" dirty="0" smtClean="0">
+                <a:latin typeface="Calibri Light" charset="0"/>
+              </a:rPr>
+              <a:t>Lan</a:t>
             </a:r>
           </a:p>
           <a:p>
@@ -5097,16 +5103,51 @@
               <a:defRPr/>
             </a:pPr>
             <a:r>
+              <a:rPr lang="en-US" altLang="x-none" sz="1600" b="1" dirty="0" smtClean="0">
+                <a:latin typeface="Calibri Light" charset="0"/>
+              </a:rPr>
+              <a:t>Advisor: Dr</a:t>
+            </a:r>
+            <a:r>
+              <a:rPr lang="en-US" altLang="x-none" sz="1600" b="1" smtClean="0">
+                <a:latin typeface="Calibri Light" charset="0"/>
+              </a:rPr>
+              <a:t>. Harry Li</a:t>
+            </a:r>
+            <a:endParaRPr lang="en-US" altLang="x-none" sz="1600" b="1" dirty="0" smtClean="0">
+              <a:latin typeface="Calibri Light" charset="0"/>
+            </a:endParaRPr>
+          </a:p>
+          <a:p>
+            <a:pPr marL="0" indent="0" algn="ctr" eaLnBrk="1" hangingPunct="1">
+              <a:lnSpc>
+                <a:spcPct val="90000"/>
+              </a:lnSpc>
+              <a:spcAft>
+                <a:spcPct val="0"/>
+              </a:spcAft>
+              <a:buNone/>
+              <a:tabLst>
+                <a:tab pos="723900" algn="l"/>
+                <a:tab pos="1447800" algn="l"/>
+                <a:tab pos="2171700" algn="l"/>
+                <a:tab pos="2895600" algn="l"/>
+                <a:tab pos="3619500" algn="l"/>
+                <a:tab pos="4343400" algn="l"/>
+                <a:tab pos="5067300" algn="l"/>
+                <a:tab pos="5791200" algn="l"/>
+                <a:tab pos="6515100" algn="l"/>
+                <a:tab pos="7239000" algn="l"/>
+                <a:tab pos="7962900" algn="l"/>
+                <a:tab pos="8686800" algn="l"/>
+              </a:tabLst>
+              <a:defRPr/>
+            </a:pPr>
+            <a:r>
               <a:rPr lang="en-US" altLang="x-none" sz="2600" dirty="0" smtClean="0">
                 <a:latin typeface="Calibri Light" charset="0"/>
               </a:rPr>
-              <a:t>CMPE </a:t>
-            </a:r>
-            <a:r>
-              <a:rPr lang="en-US" altLang="x-none" sz="2600" dirty="0" smtClean="0">
-                <a:latin typeface="Calibri Light" charset="0"/>
-              </a:rPr>
-              <a:t>195: Senior Project</a:t>
+              <a:t>CMPE 195: Senior Project</a:t>
             </a:r>
             <a:r>
               <a:rPr lang="en-US" altLang="x-none" sz="4400" dirty="0" smtClean="0">
@@ -5114,9 +5155,6 @@
               </a:rPr>
               <a:t> </a:t>
             </a:r>
-            <a:endParaRPr lang="en-US" altLang="x-none" sz="4400" dirty="0" smtClean="0">
-              <a:latin typeface="Calibri Light" charset="0"/>
-            </a:endParaRPr>
           </a:p>
           <a:p>
             <a:pPr marL="0" indent="0" algn="ctr" eaLnBrk="1" hangingPunct="1">
@@ -5178,9 +5216,6 @@
               </a:rPr>
               <a:t> </a:t>
             </a:r>
-            <a:endParaRPr lang="en-US" altLang="x-none" sz="4400" dirty="0" smtClean="0">
-              <a:latin typeface="Calibri Light" charset="0"/>
-            </a:endParaRPr>
           </a:p>
         </p:txBody>
       </p:sp>
@@ -5248,9 +5283,6 @@
               </a:rPr>
               <a:t>Simon</a:t>
             </a:r>
-            <a:endParaRPr lang="en-US" sz="1600" dirty="0">
-              <a:latin typeface="+mj-lt"/>
-            </a:endParaRPr>
           </a:p>
           <a:p>
             <a:r>
